--- a/ppt 16-9/0937.往前走.pptx
+++ b/ppt 16-9/0937.往前走.pptx
@@ -5,7 +5,7 @@
     <p:sldMasterId id="2147483648" r:id="rId1"/>
   </p:sldMasterIdLst>
   <p:sldIdLst>
-    <p:sldId id="313" r:id="rId2"/>
+    <p:sldId id="314" r:id="rId2"/>
   </p:sldIdLst>
   <p:sldSz cx="12192000" cy="6858000"/>
   <p:notesSz cx="6858000" cy="9144000"/>
@@ -129,7 +129,7 @@
           <p:cNvPr id="2" name="标题 1">
             <a:extLst>
               <a:ext uri="{FF2B5EF4-FFF2-40B4-BE49-F238E27FC236}">
-                <a16:creationId xmlns:a16="http://schemas.microsoft.com/office/drawing/2014/main" id="{3845AC1F-E16F-3EDD-F841-AA2A06807BA8}"/>
+                <a16:creationId xmlns:a16="http://schemas.microsoft.com/office/drawing/2014/main" id="{68F96A99-7796-EB0A-B256-21C299C1059D}"/>
               </a:ext>
             </a:extLst>
           </p:cNvPr>
@@ -166,7 +166,7 @@
           <p:cNvPr id="3" name="副标题 2">
             <a:extLst>
               <a:ext uri="{FF2B5EF4-FFF2-40B4-BE49-F238E27FC236}">
-                <a16:creationId xmlns:a16="http://schemas.microsoft.com/office/drawing/2014/main" id="{EA2B5B89-9FE2-5DFC-F7DC-FF3A0D272FFE}"/>
+                <a16:creationId xmlns:a16="http://schemas.microsoft.com/office/drawing/2014/main" id="{303040F0-5578-BF19-9CC1-A1DBC000A83A}"/>
               </a:ext>
             </a:extLst>
           </p:cNvPr>
@@ -236,7 +236,7 @@
           <p:cNvPr id="4" name="日期占位符 3">
             <a:extLst>
               <a:ext uri="{FF2B5EF4-FFF2-40B4-BE49-F238E27FC236}">
-                <a16:creationId xmlns:a16="http://schemas.microsoft.com/office/drawing/2014/main" id="{30683609-7726-BC9D-4105-5004EE15474B}"/>
+                <a16:creationId xmlns:a16="http://schemas.microsoft.com/office/drawing/2014/main" id="{17C82687-02CA-F228-BA05-2C0E081651E9}"/>
               </a:ext>
             </a:extLst>
           </p:cNvPr>
@@ -252,7 +252,7 @@
           <a:bodyPr/>
           <a:lstStyle/>
           <a:p>
-            <a:fld id="{216B6C84-A5BD-4714-AD82-2BFB9C8C0AC1}" type="datetimeFigureOut">
+            <a:fld id="{FFC255EB-76CF-492E-8CB4-174BDC4FF19E}" type="datetimeFigureOut">
               <a:rPr lang="zh-CN" altLang="en-US" smtClean="0"/>
               <a:t>2024/3/10</a:t>
             </a:fld>
@@ -265,7 +265,7 @@
           <p:cNvPr id="5" name="页脚占位符 4">
             <a:extLst>
               <a:ext uri="{FF2B5EF4-FFF2-40B4-BE49-F238E27FC236}">
-                <a16:creationId xmlns:a16="http://schemas.microsoft.com/office/drawing/2014/main" id="{AFEAC7C3-47A8-3307-1984-28B4A97CFE04}"/>
+                <a16:creationId xmlns:a16="http://schemas.microsoft.com/office/drawing/2014/main" id="{4D2CA464-9FF1-9A87-4445-D613731C1CDA}"/>
               </a:ext>
             </a:extLst>
           </p:cNvPr>
@@ -290,7 +290,7 @@
           <p:cNvPr id="6" name="灯片编号占位符 5">
             <a:extLst>
               <a:ext uri="{FF2B5EF4-FFF2-40B4-BE49-F238E27FC236}">
-                <a16:creationId xmlns:a16="http://schemas.microsoft.com/office/drawing/2014/main" id="{2F547DF2-2191-C411-8FEF-AC4D2F9EEE2A}"/>
+                <a16:creationId xmlns:a16="http://schemas.microsoft.com/office/drawing/2014/main" id="{E7C457F2-75FC-9EF3-F665-0D75BC948981}"/>
               </a:ext>
             </a:extLst>
           </p:cNvPr>
@@ -306,7 +306,7 @@
           <a:bodyPr/>
           <a:lstStyle/>
           <a:p>
-            <a:fld id="{00F3BFA5-64DF-4262-BC54-029A2F6F40FF}" type="slidenum">
+            <a:fld id="{031A4D87-DC7D-470C-B20D-DA93576226C5}" type="slidenum">
               <a:rPr lang="zh-CN" altLang="en-US" smtClean="0"/>
               <a:t>‹#›</a:t>
             </a:fld>
@@ -317,7 +317,7 @@
     </p:spTree>
     <p:extLst>
       <p:ext uri="{BB962C8B-B14F-4D97-AF65-F5344CB8AC3E}">
-        <p14:creationId xmlns:p14="http://schemas.microsoft.com/office/powerpoint/2010/main" val="4225238326"/>
+        <p14:creationId xmlns:p14="http://schemas.microsoft.com/office/powerpoint/2010/main" val="1917897850"/>
       </p:ext>
     </p:extLst>
   </p:cSld>
@@ -349,7 +349,7 @@
           <p:cNvPr id="2" name="标题 1">
             <a:extLst>
               <a:ext uri="{FF2B5EF4-FFF2-40B4-BE49-F238E27FC236}">
-                <a16:creationId xmlns:a16="http://schemas.microsoft.com/office/drawing/2014/main" id="{8D188E16-95E3-0FF4-0835-85BCF14C1736}"/>
+                <a16:creationId xmlns:a16="http://schemas.microsoft.com/office/drawing/2014/main" id="{FB502FE7-1D6D-FAF5-6F1B-002CBC2BD060}"/>
               </a:ext>
             </a:extLst>
           </p:cNvPr>
@@ -377,7 +377,7 @@
           <p:cNvPr id="3" name="竖排文字占位符 2">
             <a:extLst>
               <a:ext uri="{FF2B5EF4-FFF2-40B4-BE49-F238E27FC236}">
-                <a16:creationId xmlns:a16="http://schemas.microsoft.com/office/drawing/2014/main" id="{B283C42E-E617-DBC1-771F-6D3C281D13D3}"/>
+                <a16:creationId xmlns:a16="http://schemas.microsoft.com/office/drawing/2014/main" id="{4F8F1D8E-1619-A76B-1239-CAAC83638353}"/>
               </a:ext>
             </a:extLst>
           </p:cNvPr>
@@ -434,7 +434,7 @@
           <p:cNvPr id="4" name="日期占位符 3">
             <a:extLst>
               <a:ext uri="{FF2B5EF4-FFF2-40B4-BE49-F238E27FC236}">
-                <a16:creationId xmlns:a16="http://schemas.microsoft.com/office/drawing/2014/main" id="{0535252A-725A-181B-3EB8-EF3C25D5B916}"/>
+                <a16:creationId xmlns:a16="http://schemas.microsoft.com/office/drawing/2014/main" id="{05012403-B5CA-2665-D981-483C30909A82}"/>
               </a:ext>
             </a:extLst>
           </p:cNvPr>
@@ -450,7 +450,7 @@
           <a:bodyPr/>
           <a:lstStyle/>
           <a:p>
-            <a:fld id="{216B6C84-A5BD-4714-AD82-2BFB9C8C0AC1}" type="datetimeFigureOut">
+            <a:fld id="{FFC255EB-76CF-492E-8CB4-174BDC4FF19E}" type="datetimeFigureOut">
               <a:rPr lang="zh-CN" altLang="en-US" smtClean="0"/>
               <a:t>2024/3/10</a:t>
             </a:fld>
@@ -463,7 +463,7 @@
           <p:cNvPr id="5" name="页脚占位符 4">
             <a:extLst>
               <a:ext uri="{FF2B5EF4-FFF2-40B4-BE49-F238E27FC236}">
-                <a16:creationId xmlns:a16="http://schemas.microsoft.com/office/drawing/2014/main" id="{164A98FB-95D0-4348-3327-DA184F6CD6E1}"/>
+                <a16:creationId xmlns:a16="http://schemas.microsoft.com/office/drawing/2014/main" id="{B80C9799-99EA-7A92-9EFA-0A8C122C6169}"/>
               </a:ext>
             </a:extLst>
           </p:cNvPr>
@@ -488,7 +488,7 @@
           <p:cNvPr id="6" name="灯片编号占位符 5">
             <a:extLst>
               <a:ext uri="{FF2B5EF4-FFF2-40B4-BE49-F238E27FC236}">
-                <a16:creationId xmlns:a16="http://schemas.microsoft.com/office/drawing/2014/main" id="{B9998B99-9B39-BCB7-886B-B01CD9D71A9B}"/>
+                <a16:creationId xmlns:a16="http://schemas.microsoft.com/office/drawing/2014/main" id="{0043C285-0A0D-803B-D704-9F3F5E2914E2}"/>
               </a:ext>
             </a:extLst>
           </p:cNvPr>
@@ -504,7 +504,7 @@
           <a:bodyPr/>
           <a:lstStyle/>
           <a:p>
-            <a:fld id="{00F3BFA5-64DF-4262-BC54-029A2F6F40FF}" type="slidenum">
+            <a:fld id="{031A4D87-DC7D-470C-B20D-DA93576226C5}" type="slidenum">
               <a:rPr lang="zh-CN" altLang="en-US" smtClean="0"/>
               <a:t>‹#›</a:t>
             </a:fld>
@@ -515,7 +515,7 @@
     </p:spTree>
     <p:extLst>
       <p:ext uri="{BB962C8B-B14F-4D97-AF65-F5344CB8AC3E}">
-        <p14:creationId xmlns:p14="http://schemas.microsoft.com/office/powerpoint/2010/main" val="3335555395"/>
+        <p14:creationId xmlns:p14="http://schemas.microsoft.com/office/powerpoint/2010/main" val="1499396715"/>
       </p:ext>
     </p:extLst>
   </p:cSld>
@@ -547,7 +547,7 @@
           <p:cNvPr id="2" name="竖排标题 1">
             <a:extLst>
               <a:ext uri="{FF2B5EF4-FFF2-40B4-BE49-F238E27FC236}">
-                <a16:creationId xmlns:a16="http://schemas.microsoft.com/office/drawing/2014/main" id="{DDAC0BC9-FF66-C7D5-95B7-0EBD67F94478}"/>
+                <a16:creationId xmlns:a16="http://schemas.microsoft.com/office/drawing/2014/main" id="{83F28E81-D50D-1F5D-DB8A-07E8791B5393}"/>
               </a:ext>
             </a:extLst>
           </p:cNvPr>
@@ -580,7 +580,7 @@
           <p:cNvPr id="3" name="竖排文字占位符 2">
             <a:extLst>
               <a:ext uri="{FF2B5EF4-FFF2-40B4-BE49-F238E27FC236}">
-                <a16:creationId xmlns:a16="http://schemas.microsoft.com/office/drawing/2014/main" id="{A5BE6478-9578-871A-4BA5-1B4457B95C8C}"/>
+                <a16:creationId xmlns:a16="http://schemas.microsoft.com/office/drawing/2014/main" id="{9FFED5AC-671B-D177-C40E-58154455D3E4}"/>
               </a:ext>
             </a:extLst>
           </p:cNvPr>
@@ -642,7 +642,7 @@
           <p:cNvPr id="4" name="日期占位符 3">
             <a:extLst>
               <a:ext uri="{FF2B5EF4-FFF2-40B4-BE49-F238E27FC236}">
-                <a16:creationId xmlns:a16="http://schemas.microsoft.com/office/drawing/2014/main" id="{36DBBC01-319F-8D48-DF18-C7E060495A16}"/>
+                <a16:creationId xmlns:a16="http://schemas.microsoft.com/office/drawing/2014/main" id="{65D19452-B334-B506-75C2-058AA8186614}"/>
               </a:ext>
             </a:extLst>
           </p:cNvPr>
@@ -658,7 +658,7 @@
           <a:bodyPr/>
           <a:lstStyle/>
           <a:p>
-            <a:fld id="{216B6C84-A5BD-4714-AD82-2BFB9C8C0AC1}" type="datetimeFigureOut">
+            <a:fld id="{FFC255EB-76CF-492E-8CB4-174BDC4FF19E}" type="datetimeFigureOut">
               <a:rPr lang="zh-CN" altLang="en-US" smtClean="0"/>
               <a:t>2024/3/10</a:t>
             </a:fld>
@@ -671,7 +671,7 @@
           <p:cNvPr id="5" name="页脚占位符 4">
             <a:extLst>
               <a:ext uri="{FF2B5EF4-FFF2-40B4-BE49-F238E27FC236}">
-                <a16:creationId xmlns:a16="http://schemas.microsoft.com/office/drawing/2014/main" id="{ED01DB36-84B7-637F-F940-78ADF568D12E}"/>
+                <a16:creationId xmlns:a16="http://schemas.microsoft.com/office/drawing/2014/main" id="{8A0D18B8-91D8-69BA-79DE-2C7FC92B9317}"/>
               </a:ext>
             </a:extLst>
           </p:cNvPr>
@@ -696,7 +696,7 @@
           <p:cNvPr id="6" name="灯片编号占位符 5">
             <a:extLst>
               <a:ext uri="{FF2B5EF4-FFF2-40B4-BE49-F238E27FC236}">
-                <a16:creationId xmlns:a16="http://schemas.microsoft.com/office/drawing/2014/main" id="{E44CD48C-8D8C-A5D4-84C4-BFA56B062317}"/>
+                <a16:creationId xmlns:a16="http://schemas.microsoft.com/office/drawing/2014/main" id="{9FD3F150-1A9C-5BEF-0AEA-69DFEB8BCD79}"/>
               </a:ext>
             </a:extLst>
           </p:cNvPr>
@@ -712,7 +712,7 @@
           <a:bodyPr/>
           <a:lstStyle/>
           <a:p>
-            <a:fld id="{00F3BFA5-64DF-4262-BC54-029A2F6F40FF}" type="slidenum">
+            <a:fld id="{031A4D87-DC7D-470C-B20D-DA93576226C5}" type="slidenum">
               <a:rPr lang="zh-CN" altLang="en-US" smtClean="0"/>
               <a:t>‹#›</a:t>
             </a:fld>
@@ -723,7 +723,7 @@
     </p:spTree>
     <p:extLst>
       <p:ext uri="{BB962C8B-B14F-4D97-AF65-F5344CB8AC3E}">
-        <p14:creationId xmlns:p14="http://schemas.microsoft.com/office/powerpoint/2010/main" val="50175118"/>
+        <p14:creationId xmlns:p14="http://schemas.microsoft.com/office/powerpoint/2010/main" val="955657553"/>
       </p:ext>
     </p:extLst>
   </p:cSld>
@@ -755,7 +755,7 @@
           <p:cNvPr id="2" name="标题 1">
             <a:extLst>
               <a:ext uri="{FF2B5EF4-FFF2-40B4-BE49-F238E27FC236}">
-                <a16:creationId xmlns:a16="http://schemas.microsoft.com/office/drawing/2014/main" id="{5E08B337-0097-A547-A779-BDC066BC25BE}"/>
+                <a16:creationId xmlns:a16="http://schemas.microsoft.com/office/drawing/2014/main" id="{E8FB236E-8470-E709-D11A-39CED86D6C9A}"/>
               </a:ext>
             </a:extLst>
           </p:cNvPr>
@@ -783,7 +783,7 @@
           <p:cNvPr id="3" name="内容占位符 2">
             <a:extLst>
               <a:ext uri="{FF2B5EF4-FFF2-40B4-BE49-F238E27FC236}">
-                <a16:creationId xmlns:a16="http://schemas.microsoft.com/office/drawing/2014/main" id="{94926270-C8CF-94A0-6D4C-E1818DB262DA}"/>
+                <a16:creationId xmlns:a16="http://schemas.microsoft.com/office/drawing/2014/main" id="{B216EC3C-C2F3-C3BE-CF05-F24655678CBD}"/>
               </a:ext>
             </a:extLst>
           </p:cNvPr>
@@ -840,7 +840,7 @@
           <p:cNvPr id="4" name="日期占位符 3">
             <a:extLst>
               <a:ext uri="{FF2B5EF4-FFF2-40B4-BE49-F238E27FC236}">
-                <a16:creationId xmlns:a16="http://schemas.microsoft.com/office/drawing/2014/main" id="{6DDB93EB-1CCB-11C9-0843-5E6347E864EA}"/>
+                <a16:creationId xmlns:a16="http://schemas.microsoft.com/office/drawing/2014/main" id="{07D25645-1955-9A83-4027-F46B039F0F69}"/>
               </a:ext>
             </a:extLst>
           </p:cNvPr>
@@ -856,7 +856,7 @@
           <a:bodyPr/>
           <a:lstStyle/>
           <a:p>
-            <a:fld id="{216B6C84-A5BD-4714-AD82-2BFB9C8C0AC1}" type="datetimeFigureOut">
+            <a:fld id="{FFC255EB-76CF-492E-8CB4-174BDC4FF19E}" type="datetimeFigureOut">
               <a:rPr lang="zh-CN" altLang="en-US" smtClean="0"/>
               <a:t>2024/3/10</a:t>
             </a:fld>
@@ -869,7 +869,7 @@
           <p:cNvPr id="5" name="页脚占位符 4">
             <a:extLst>
               <a:ext uri="{FF2B5EF4-FFF2-40B4-BE49-F238E27FC236}">
-                <a16:creationId xmlns:a16="http://schemas.microsoft.com/office/drawing/2014/main" id="{77621845-760F-5028-5D30-594DDCB875E2}"/>
+                <a16:creationId xmlns:a16="http://schemas.microsoft.com/office/drawing/2014/main" id="{9FCDABCE-3CD9-0340-BCC9-AA3504959002}"/>
               </a:ext>
             </a:extLst>
           </p:cNvPr>
@@ -894,7 +894,7 @@
           <p:cNvPr id="6" name="灯片编号占位符 5">
             <a:extLst>
               <a:ext uri="{FF2B5EF4-FFF2-40B4-BE49-F238E27FC236}">
-                <a16:creationId xmlns:a16="http://schemas.microsoft.com/office/drawing/2014/main" id="{81B484A5-9599-6BC8-52DB-C292C8AF00F6}"/>
+                <a16:creationId xmlns:a16="http://schemas.microsoft.com/office/drawing/2014/main" id="{EE51EEDE-F743-22B2-B8BD-048854B91FAC}"/>
               </a:ext>
             </a:extLst>
           </p:cNvPr>
@@ -910,7 +910,7 @@
           <a:bodyPr/>
           <a:lstStyle/>
           <a:p>
-            <a:fld id="{00F3BFA5-64DF-4262-BC54-029A2F6F40FF}" type="slidenum">
+            <a:fld id="{031A4D87-DC7D-470C-B20D-DA93576226C5}" type="slidenum">
               <a:rPr lang="zh-CN" altLang="en-US" smtClean="0"/>
               <a:t>‹#›</a:t>
             </a:fld>
@@ -921,7 +921,7 @@
     </p:spTree>
     <p:extLst>
       <p:ext uri="{BB962C8B-B14F-4D97-AF65-F5344CB8AC3E}">
-        <p14:creationId xmlns:p14="http://schemas.microsoft.com/office/powerpoint/2010/main" val="1623756693"/>
+        <p14:creationId xmlns:p14="http://schemas.microsoft.com/office/powerpoint/2010/main" val="3835990872"/>
       </p:ext>
     </p:extLst>
   </p:cSld>
@@ -953,7 +953,7 @@
           <p:cNvPr id="2" name="标题 1">
             <a:extLst>
               <a:ext uri="{FF2B5EF4-FFF2-40B4-BE49-F238E27FC236}">
-                <a16:creationId xmlns:a16="http://schemas.microsoft.com/office/drawing/2014/main" id="{05BDEFA0-71AB-39D6-0002-1F1A44CA503B}"/>
+                <a16:creationId xmlns:a16="http://schemas.microsoft.com/office/drawing/2014/main" id="{29B8643D-D776-00DA-769E-598F2199917F}"/>
               </a:ext>
             </a:extLst>
           </p:cNvPr>
@@ -990,7 +990,7 @@
           <p:cNvPr id="3" name="文本占位符 2">
             <a:extLst>
               <a:ext uri="{FF2B5EF4-FFF2-40B4-BE49-F238E27FC236}">
-                <a16:creationId xmlns:a16="http://schemas.microsoft.com/office/drawing/2014/main" id="{320922B9-F0F1-70DD-75B4-58F6C1E727D1}"/>
+                <a16:creationId xmlns:a16="http://schemas.microsoft.com/office/drawing/2014/main" id="{89A30699-28D4-BF95-0D88-863EA18AE56A}"/>
               </a:ext>
             </a:extLst>
           </p:cNvPr>
@@ -1115,7 +1115,7 @@
           <p:cNvPr id="4" name="日期占位符 3">
             <a:extLst>
               <a:ext uri="{FF2B5EF4-FFF2-40B4-BE49-F238E27FC236}">
-                <a16:creationId xmlns:a16="http://schemas.microsoft.com/office/drawing/2014/main" id="{679A23D9-3B27-DB1C-6C83-44A225F17BAC}"/>
+                <a16:creationId xmlns:a16="http://schemas.microsoft.com/office/drawing/2014/main" id="{7703E816-5575-5788-1CAE-76E8A45AE0E4}"/>
               </a:ext>
             </a:extLst>
           </p:cNvPr>
@@ -1131,7 +1131,7 @@
           <a:bodyPr/>
           <a:lstStyle/>
           <a:p>
-            <a:fld id="{216B6C84-A5BD-4714-AD82-2BFB9C8C0AC1}" type="datetimeFigureOut">
+            <a:fld id="{FFC255EB-76CF-492E-8CB4-174BDC4FF19E}" type="datetimeFigureOut">
               <a:rPr lang="zh-CN" altLang="en-US" smtClean="0"/>
               <a:t>2024/3/10</a:t>
             </a:fld>
@@ -1144,7 +1144,7 @@
           <p:cNvPr id="5" name="页脚占位符 4">
             <a:extLst>
               <a:ext uri="{FF2B5EF4-FFF2-40B4-BE49-F238E27FC236}">
-                <a16:creationId xmlns:a16="http://schemas.microsoft.com/office/drawing/2014/main" id="{C0EB5022-FD2E-F1AB-50E5-DC5C47B4F50B}"/>
+                <a16:creationId xmlns:a16="http://schemas.microsoft.com/office/drawing/2014/main" id="{0391FCC9-908E-9B0C-0853-02700D2BCDEE}"/>
               </a:ext>
             </a:extLst>
           </p:cNvPr>
@@ -1169,7 +1169,7 @@
           <p:cNvPr id="6" name="灯片编号占位符 5">
             <a:extLst>
               <a:ext uri="{FF2B5EF4-FFF2-40B4-BE49-F238E27FC236}">
-                <a16:creationId xmlns:a16="http://schemas.microsoft.com/office/drawing/2014/main" id="{C7240C2E-8B4A-5C46-721B-B585AAD4EFE4}"/>
+                <a16:creationId xmlns:a16="http://schemas.microsoft.com/office/drawing/2014/main" id="{33ABECD4-644B-EFF9-3099-E4190C12FD34}"/>
               </a:ext>
             </a:extLst>
           </p:cNvPr>
@@ -1185,7 +1185,7 @@
           <a:bodyPr/>
           <a:lstStyle/>
           <a:p>
-            <a:fld id="{00F3BFA5-64DF-4262-BC54-029A2F6F40FF}" type="slidenum">
+            <a:fld id="{031A4D87-DC7D-470C-B20D-DA93576226C5}" type="slidenum">
               <a:rPr lang="zh-CN" altLang="en-US" smtClean="0"/>
               <a:t>‹#›</a:t>
             </a:fld>
@@ -1196,7 +1196,7 @@
     </p:spTree>
     <p:extLst>
       <p:ext uri="{BB962C8B-B14F-4D97-AF65-F5344CB8AC3E}">
-        <p14:creationId xmlns:p14="http://schemas.microsoft.com/office/powerpoint/2010/main" val="2831047674"/>
+        <p14:creationId xmlns:p14="http://schemas.microsoft.com/office/powerpoint/2010/main" val="3675611123"/>
       </p:ext>
     </p:extLst>
   </p:cSld>
@@ -1228,7 +1228,7 @@
           <p:cNvPr id="2" name="标题 1">
             <a:extLst>
               <a:ext uri="{FF2B5EF4-FFF2-40B4-BE49-F238E27FC236}">
-                <a16:creationId xmlns:a16="http://schemas.microsoft.com/office/drawing/2014/main" id="{529FA9FE-1556-C624-393E-334CF9E5D505}"/>
+                <a16:creationId xmlns:a16="http://schemas.microsoft.com/office/drawing/2014/main" id="{68579950-E5DC-C3A7-CF8D-A464C43D9189}"/>
               </a:ext>
             </a:extLst>
           </p:cNvPr>
@@ -1256,7 +1256,7 @@
           <p:cNvPr id="3" name="内容占位符 2">
             <a:extLst>
               <a:ext uri="{FF2B5EF4-FFF2-40B4-BE49-F238E27FC236}">
-                <a16:creationId xmlns:a16="http://schemas.microsoft.com/office/drawing/2014/main" id="{BE03BF20-7378-AAD7-14C4-A5CAD17BF253}"/>
+                <a16:creationId xmlns:a16="http://schemas.microsoft.com/office/drawing/2014/main" id="{870F4C26-D49C-78FE-2D2D-B569E134CC53}"/>
               </a:ext>
             </a:extLst>
           </p:cNvPr>
@@ -1318,7 +1318,7 @@
           <p:cNvPr id="4" name="内容占位符 3">
             <a:extLst>
               <a:ext uri="{FF2B5EF4-FFF2-40B4-BE49-F238E27FC236}">
-                <a16:creationId xmlns:a16="http://schemas.microsoft.com/office/drawing/2014/main" id="{1FEAC5B4-84D8-8A87-D054-178B1B6812B8}"/>
+                <a16:creationId xmlns:a16="http://schemas.microsoft.com/office/drawing/2014/main" id="{D5CE32FB-F2DB-B34A-FB5F-E9849EFE7478}"/>
               </a:ext>
             </a:extLst>
           </p:cNvPr>
@@ -1380,7 +1380,7 @@
           <p:cNvPr id="5" name="日期占位符 4">
             <a:extLst>
               <a:ext uri="{FF2B5EF4-FFF2-40B4-BE49-F238E27FC236}">
-                <a16:creationId xmlns:a16="http://schemas.microsoft.com/office/drawing/2014/main" id="{CB5FB0AF-E818-6736-819B-24F0081FA6C4}"/>
+                <a16:creationId xmlns:a16="http://schemas.microsoft.com/office/drawing/2014/main" id="{DB1D553C-2800-7441-6168-3C7CFC75200E}"/>
               </a:ext>
             </a:extLst>
           </p:cNvPr>
@@ -1396,7 +1396,7 @@
           <a:bodyPr/>
           <a:lstStyle/>
           <a:p>
-            <a:fld id="{216B6C84-A5BD-4714-AD82-2BFB9C8C0AC1}" type="datetimeFigureOut">
+            <a:fld id="{FFC255EB-76CF-492E-8CB4-174BDC4FF19E}" type="datetimeFigureOut">
               <a:rPr lang="zh-CN" altLang="en-US" smtClean="0"/>
               <a:t>2024/3/10</a:t>
             </a:fld>
@@ -1409,7 +1409,7 @@
           <p:cNvPr id="6" name="页脚占位符 5">
             <a:extLst>
               <a:ext uri="{FF2B5EF4-FFF2-40B4-BE49-F238E27FC236}">
-                <a16:creationId xmlns:a16="http://schemas.microsoft.com/office/drawing/2014/main" id="{715624D6-8216-2916-648D-85FE88B935DE}"/>
+                <a16:creationId xmlns:a16="http://schemas.microsoft.com/office/drawing/2014/main" id="{BFDEC96F-C197-492D-E859-F5C3A94020C4}"/>
               </a:ext>
             </a:extLst>
           </p:cNvPr>
@@ -1434,7 +1434,7 @@
           <p:cNvPr id="7" name="灯片编号占位符 6">
             <a:extLst>
               <a:ext uri="{FF2B5EF4-FFF2-40B4-BE49-F238E27FC236}">
-                <a16:creationId xmlns:a16="http://schemas.microsoft.com/office/drawing/2014/main" id="{44F6662E-8E48-B2E3-D824-8CED3155CE8C}"/>
+                <a16:creationId xmlns:a16="http://schemas.microsoft.com/office/drawing/2014/main" id="{66FEDE90-D55D-73D7-3BEC-FE446CA20E44}"/>
               </a:ext>
             </a:extLst>
           </p:cNvPr>
@@ -1450,7 +1450,7 @@
           <a:bodyPr/>
           <a:lstStyle/>
           <a:p>
-            <a:fld id="{00F3BFA5-64DF-4262-BC54-029A2F6F40FF}" type="slidenum">
+            <a:fld id="{031A4D87-DC7D-470C-B20D-DA93576226C5}" type="slidenum">
               <a:rPr lang="zh-CN" altLang="en-US" smtClean="0"/>
               <a:t>‹#›</a:t>
             </a:fld>
@@ -1461,7 +1461,7 @@
     </p:spTree>
     <p:extLst>
       <p:ext uri="{BB962C8B-B14F-4D97-AF65-F5344CB8AC3E}">
-        <p14:creationId xmlns:p14="http://schemas.microsoft.com/office/powerpoint/2010/main" val="354504700"/>
+        <p14:creationId xmlns:p14="http://schemas.microsoft.com/office/powerpoint/2010/main" val="1052420990"/>
       </p:ext>
     </p:extLst>
   </p:cSld>
@@ -1493,7 +1493,7 @@
           <p:cNvPr id="2" name="标题 1">
             <a:extLst>
               <a:ext uri="{FF2B5EF4-FFF2-40B4-BE49-F238E27FC236}">
-                <a16:creationId xmlns:a16="http://schemas.microsoft.com/office/drawing/2014/main" id="{0566CCD4-D82C-AE5F-3C9C-5A79821A1EA3}"/>
+                <a16:creationId xmlns:a16="http://schemas.microsoft.com/office/drawing/2014/main" id="{9F235510-4D8F-D7C7-2919-E36409651CB1}"/>
               </a:ext>
             </a:extLst>
           </p:cNvPr>
@@ -1526,7 +1526,7 @@
           <p:cNvPr id="3" name="文本占位符 2">
             <a:extLst>
               <a:ext uri="{FF2B5EF4-FFF2-40B4-BE49-F238E27FC236}">
-                <a16:creationId xmlns:a16="http://schemas.microsoft.com/office/drawing/2014/main" id="{F3AE79C1-C01A-41A7-2DBA-5A2C21F2BC1F}"/>
+                <a16:creationId xmlns:a16="http://schemas.microsoft.com/office/drawing/2014/main" id="{8764B995-FADD-35E5-D2B2-256C6B5D2361}"/>
               </a:ext>
             </a:extLst>
           </p:cNvPr>
@@ -1597,7 +1597,7 @@
           <p:cNvPr id="4" name="内容占位符 3">
             <a:extLst>
               <a:ext uri="{FF2B5EF4-FFF2-40B4-BE49-F238E27FC236}">
-                <a16:creationId xmlns:a16="http://schemas.microsoft.com/office/drawing/2014/main" id="{A1D43AE6-E05A-DC73-F5B1-F5E00EA6DEBC}"/>
+                <a16:creationId xmlns:a16="http://schemas.microsoft.com/office/drawing/2014/main" id="{74600906-944E-800A-568A-D6AAC39908F7}"/>
               </a:ext>
             </a:extLst>
           </p:cNvPr>
@@ -1659,7 +1659,7 @@
           <p:cNvPr id="5" name="文本占位符 4">
             <a:extLst>
               <a:ext uri="{FF2B5EF4-FFF2-40B4-BE49-F238E27FC236}">
-                <a16:creationId xmlns:a16="http://schemas.microsoft.com/office/drawing/2014/main" id="{A42BC112-72E4-1782-D6BA-CF82E027597E}"/>
+                <a16:creationId xmlns:a16="http://schemas.microsoft.com/office/drawing/2014/main" id="{559199C4-A554-6015-C6FE-75955A154CB6}"/>
               </a:ext>
             </a:extLst>
           </p:cNvPr>
@@ -1730,7 +1730,7 @@
           <p:cNvPr id="6" name="内容占位符 5">
             <a:extLst>
               <a:ext uri="{FF2B5EF4-FFF2-40B4-BE49-F238E27FC236}">
-                <a16:creationId xmlns:a16="http://schemas.microsoft.com/office/drawing/2014/main" id="{DD32B3B3-E2C1-24A8-8133-9A07F053F729}"/>
+                <a16:creationId xmlns:a16="http://schemas.microsoft.com/office/drawing/2014/main" id="{E3DF80CE-E541-7CCA-81B9-A7BF52084C7B}"/>
               </a:ext>
             </a:extLst>
           </p:cNvPr>
@@ -1792,7 +1792,7 @@
           <p:cNvPr id="7" name="日期占位符 6">
             <a:extLst>
               <a:ext uri="{FF2B5EF4-FFF2-40B4-BE49-F238E27FC236}">
-                <a16:creationId xmlns:a16="http://schemas.microsoft.com/office/drawing/2014/main" id="{401DAB57-DEFF-2E07-A271-DC19D14EDBB3}"/>
+                <a16:creationId xmlns:a16="http://schemas.microsoft.com/office/drawing/2014/main" id="{56490E5A-4F22-3433-3EB3-E9914DA93143}"/>
               </a:ext>
             </a:extLst>
           </p:cNvPr>
@@ -1808,7 +1808,7 @@
           <a:bodyPr/>
           <a:lstStyle/>
           <a:p>
-            <a:fld id="{216B6C84-A5BD-4714-AD82-2BFB9C8C0AC1}" type="datetimeFigureOut">
+            <a:fld id="{FFC255EB-76CF-492E-8CB4-174BDC4FF19E}" type="datetimeFigureOut">
               <a:rPr lang="zh-CN" altLang="en-US" smtClean="0"/>
               <a:t>2024/3/10</a:t>
             </a:fld>
@@ -1821,7 +1821,7 @@
           <p:cNvPr id="8" name="页脚占位符 7">
             <a:extLst>
               <a:ext uri="{FF2B5EF4-FFF2-40B4-BE49-F238E27FC236}">
-                <a16:creationId xmlns:a16="http://schemas.microsoft.com/office/drawing/2014/main" id="{043CE08D-AE38-3A41-295F-323A8D5F552A}"/>
+                <a16:creationId xmlns:a16="http://schemas.microsoft.com/office/drawing/2014/main" id="{F0EBB410-270D-94F2-D975-BB83FFE6503F}"/>
               </a:ext>
             </a:extLst>
           </p:cNvPr>
@@ -1846,7 +1846,7 @@
           <p:cNvPr id="9" name="灯片编号占位符 8">
             <a:extLst>
               <a:ext uri="{FF2B5EF4-FFF2-40B4-BE49-F238E27FC236}">
-                <a16:creationId xmlns:a16="http://schemas.microsoft.com/office/drawing/2014/main" id="{1F4D6D9D-4C7C-D944-C82B-16A3CA636E5B}"/>
+                <a16:creationId xmlns:a16="http://schemas.microsoft.com/office/drawing/2014/main" id="{62ECB9F9-8121-A8FD-BA5E-7BD3256A3ED6}"/>
               </a:ext>
             </a:extLst>
           </p:cNvPr>
@@ -1862,7 +1862,7 @@
           <a:bodyPr/>
           <a:lstStyle/>
           <a:p>
-            <a:fld id="{00F3BFA5-64DF-4262-BC54-029A2F6F40FF}" type="slidenum">
+            <a:fld id="{031A4D87-DC7D-470C-B20D-DA93576226C5}" type="slidenum">
               <a:rPr lang="zh-CN" altLang="en-US" smtClean="0"/>
               <a:t>‹#›</a:t>
             </a:fld>
@@ -1873,7 +1873,7 @@
     </p:spTree>
     <p:extLst>
       <p:ext uri="{BB962C8B-B14F-4D97-AF65-F5344CB8AC3E}">
-        <p14:creationId xmlns:p14="http://schemas.microsoft.com/office/powerpoint/2010/main" val="1666747376"/>
+        <p14:creationId xmlns:p14="http://schemas.microsoft.com/office/powerpoint/2010/main" val="2018176831"/>
       </p:ext>
     </p:extLst>
   </p:cSld>
@@ -1905,7 +1905,7 @@
           <p:cNvPr id="2" name="标题 1">
             <a:extLst>
               <a:ext uri="{FF2B5EF4-FFF2-40B4-BE49-F238E27FC236}">
-                <a16:creationId xmlns:a16="http://schemas.microsoft.com/office/drawing/2014/main" id="{BDDF047C-AB3E-926D-CEE2-7CADD7FA9FC6}"/>
+                <a16:creationId xmlns:a16="http://schemas.microsoft.com/office/drawing/2014/main" id="{1B736262-083A-70BB-A927-F601A28967C9}"/>
               </a:ext>
             </a:extLst>
           </p:cNvPr>
@@ -1933,7 +1933,7 @@
           <p:cNvPr id="3" name="日期占位符 2">
             <a:extLst>
               <a:ext uri="{FF2B5EF4-FFF2-40B4-BE49-F238E27FC236}">
-                <a16:creationId xmlns:a16="http://schemas.microsoft.com/office/drawing/2014/main" id="{7B8E2BEF-D48D-9883-3AFC-4C039D00E7CB}"/>
+                <a16:creationId xmlns:a16="http://schemas.microsoft.com/office/drawing/2014/main" id="{990FF236-0C71-99D9-38D5-22FDC2BB0CB9}"/>
               </a:ext>
             </a:extLst>
           </p:cNvPr>
@@ -1949,7 +1949,7 @@
           <a:bodyPr/>
           <a:lstStyle/>
           <a:p>
-            <a:fld id="{216B6C84-A5BD-4714-AD82-2BFB9C8C0AC1}" type="datetimeFigureOut">
+            <a:fld id="{FFC255EB-76CF-492E-8CB4-174BDC4FF19E}" type="datetimeFigureOut">
               <a:rPr lang="zh-CN" altLang="en-US" smtClean="0"/>
               <a:t>2024/3/10</a:t>
             </a:fld>
@@ -1962,7 +1962,7 @@
           <p:cNvPr id="4" name="页脚占位符 3">
             <a:extLst>
               <a:ext uri="{FF2B5EF4-FFF2-40B4-BE49-F238E27FC236}">
-                <a16:creationId xmlns:a16="http://schemas.microsoft.com/office/drawing/2014/main" id="{F7DAFC2D-55B8-218D-792E-543E3C92ED46}"/>
+                <a16:creationId xmlns:a16="http://schemas.microsoft.com/office/drawing/2014/main" id="{E96A0AA9-FC5E-B987-4405-E4DBC11F7CA2}"/>
               </a:ext>
             </a:extLst>
           </p:cNvPr>
@@ -1987,7 +1987,7 @@
           <p:cNvPr id="5" name="灯片编号占位符 4">
             <a:extLst>
               <a:ext uri="{FF2B5EF4-FFF2-40B4-BE49-F238E27FC236}">
-                <a16:creationId xmlns:a16="http://schemas.microsoft.com/office/drawing/2014/main" id="{8B9B7BFD-58A0-2A0C-9D33-2E2F839F8479}"/>
+                <a16:creationId xmlns:a16="http://schemas.microsoft.com/office/drawing/2014/main" id="{1BDA5000-3770-B207-102B-B5C19CAB8511}"/>
               </a:ext>
             </a:extLst>
           </p:cNvPr>
@@ -2003,7 +2003,7 @@
           <a:bodyPr/>
           <a:lstStyle/>
           <a:p>
-            <a:fld id="{00F3BFA5-64DF-4262-BC54-029A2F6F40FF}" type="slidenum">
+            <a:fld id="{031A4D87-DC7D-470C-B20D-DA93576226C5}" type="slidenum">
               <a:rPr lang="zh-CN" altLang="en-US" smtClean="0"/>
               <a:t>‹#›</a:t>
             </a:fld>
@@ -2014,7 +2014,7 @@
     </p:spTree>
     <p:extLst>
       <p:ext uri="{BB962C8B-B14F-4D97-AF65-F5344CB8AC3E}">
-        <p14:creationId xmlns:p14="http://schemas.microsoft.com/office/powerpoint/2010/main" val="1497222329"/>
+        <p14:creationId xmlns:p14="http://schemas.microsoft.com/office/powerpoint/2010/main" val="183232930"/>
       </p:ext>
     </p:extLst>
   </p:cSld>
@@ -2046,7 +2046,7 @@
           <p:cNvPr id="2" name="日期占位符 1">
             <a:extLst>
               <a:ext uri="{FF2B5EF4-FFF2-40B4-BE49-F238E27FC236}">
-                <a16:creationId xmlns:a16="http://schemas.microsoft.com/office/drawing/2014/main" id="{983E969F-9EEB-AA43-9B69-0F7D224796C0}"/>
+                <a16:creationId xmlns:a16="http://schemas.microsoft.com/office/drawing/2014/main" id="{8996B3A5-06FC-C0F9-F46F-E8023F94CBF8}"/>
               </a:ext>
             </a:extLst>
           </p:cNvPr>
@@ -2062,7 +2062,7 @@
           <a:bodyPr/>
           <a:lstStyle/>
           <a:p>
-            <a:fld id="{216B6C84-A5BD-4714-AD82-2BFB9C8C0AC1}" type="datetimeFigureOut">
+            <a:fld id="{FFC255EB-76CF-492E-8CB4-174BDC4FF19E}" type="datetimeFigureOut">
               <a:rPr lang="zh-CN" altLang="en-US" smtClean="0"/>
               <a:t>2024/3/10</a:t>
             </a:fld>
@@ -2075,7 +2075,7 @@
           <p:cNvPr id="3" name="页脚占位符 2">
             <a:extLst>
               <a:ext uri="{FF2B5EF4-FFF2-40B4-BE49-F238E27FC236}">
-                <a16:creationId xmlns:a16="http://schemas.microsoft.com/office/drawing/2014/main" id="{7674D627-A5CA-251D-48CE-AF7F3D144605}"/>
+                <a16:creationId xmlns:a16="http://schemas.microsoft.com/office/drawing/2014/main" id="{98A5F88C-98AC-8241-32E6-BCCCA43FD05A}"/>
               </a:ext>
             </a:extLst>
           </p:cNvPr>
@@ -2100,7 +2100,7 @@
           <p:cNvPr id="4" name="灯片编号占位符 3">
             <a:extLst>
               <a:ext uri="{FF2B5EF4-FFF2-40B4-BE49-F238E27FC236}">
-                <a16:creationId xmlns:a16="http://schemas.microsoft.com/office/drawing/2014/main" id="{9907C062-5EC8-DC00-BD2B-012677515520}"/>
+                <a16:creationId xmlns:a16="http://schemas.microsoft.com/office/drawing/2014/main" id="{82E77EBA-18A5-FDAD-2C02-6BEB4BA56703}"/>
               </a:ext>
             </a:extLst>
           </p:cNvPr>
@@ -2116,7 +2116,7 @@
           <a:bodyPr/>
           <a:lstStyle/>
           <a:p>
-            <a:fld id="{00F3BFA5-64DF-4262-BC54-029A2F6F40FF}" type="slidenum">
+            <a:fld id="{031A4D87-DC7D-470C-B20D-DA93576226C5}" type="slidenum">
               <a:rPr lang="zh-CN" altLang="en-US" smtClean="0"/>
               <a:t>‹#›</a:t>
             </a:fld>
@@ -2127,7 +2127,7 @@
     </p:spTree>
     <p:extLst>
       <p:ext uri="{BB962C8B-B14F-4D97-AF65-F5344CB8AC3E}">
-        <p14:creationId xmlns:p14="http://schemas.microsoft.com/office/powerpoint/2010/main" val="2056265825"/>
+        <p14:creationId xmlns:p14="http://schemas.microsoft.com/office/powerpoint/2010/main" val="2652158658"/>
       </p:ext>
     </p:extLst>
   </p:cSld>
@@ -2159,7 +2159,7 @@
           <p:cNvPr id="2" name="标题 1">
             <a:extLst>
               <a:ext uri="{FF2B5EF4-FFF2-40B4-BE49-F238E27FC236}">
-                <a16:creationId xmlns:a16="http://schemas.microsoft.com/office/drawing/2014/main" id="{3409DBC6-0172-C0D6-8CA6-52D0C42C75D1}"/>
+                <a16:creationId xmlns:a16="http://schemas.microsoft.com/office/drawing/2014/main" id="{D43118C6-AFCF-E250-0C2D-2AE0579C084A}"/>
               </a:ext>
             </a:extLst>
           </p:cNvPr>
@@ -2196,7 +2196,7 @@
           <p:cNvPr id="3" name="内容占位符 2">
             <a:extLst>
               <a:ext uri="{FF2B5EF4-FFF2-40B4-BE49-F238E27FC236}">
-                <a16:creationId xmlns:a16="http://schemas.microsoft.com/office/drawing/2014/main" id="{338356FF-A0B3-0493-B579-2F6E782B0DED}"/>
+                <a16:creationId xmlns:a16="http://schemas.microsoft.com/office/drawing/2014/main" id="{D49A1E90-4F83-9726-831E-BBAEF51D5429}"/>
               </a:ext>
             </a:extLst>
           </p:cNvPr>
@@ -2286,7 +2286,7 @@
           <p:cNvPr id="4" name="文本占位符 3">
             <a:extLst>
               <a:ext uri="{FF2B5EF4-FFF2-40B4-BE49-F238E27FC236}">
-                <a16:creationId xmlns:a16="http://schemas.microsoft.com/office/drawing/2014/main" id="{679F5C15-B99B-56D8-9D83-EDA836DCD288}"/>
+                <a16:creationId xmlns:a16="http://schemas.microsoft.com/office/drawing/2014/main" id="{00286C67-11A4-BAAF-7BE7-A1E01CCFE710}"/>
               </a:ext>
             </a:extLst>
           </p:cNvPr>
@@ -2357,7 +2357,7 @@
           <p:cNvPr id="5" name="日期占位符 4">
             <a:extLst>
               <a:ext uri="{FF2B5EF4-FFF2-40B4-BE49-F238E27FC236}">
-                <a16:creationId xmlns:a16="http://schemas.microsoft.com/office/drawing/2014/main" id="{A35F1820-17E4-5A8D-3001-DFAE81D7A14D}"/>
+                <a16:creationId xmlns:a16="http://schemas.microsoft.com/office/drawing/2014/main" id="{FF85842C-2518-9737-7107-B3F7BCDDF4B9}"/>
               </a:ext>
             </a:extLst>
           </p:cNvPr>
@@ -2373,7 +2373,7 @@
           <a:bodyPr/>
           <a:lstStyle/>
           <a:p>
-            <a:fld id="{216B6C84-A5BD-4714-AD82-2BFB9C8C0AC1}" type="datetimeFigureOut">
+            <a:fld id="{FFC255EB-76CF-492E-8CB4-174BDC4FF19E}" type="datetimeFigureOut">
               <a:rPr lang="zh-CN" altLang="en-US" smtClean="0"/>
               <a:t>2024/3/10</a:t>
             </a:fld>
@@ -2386,7 +2386,7 @@
           <p:cNvPr id="6" name="页脚占位符 5">
             <a:extLst>
               <a:ext uri="{FF2B5EF4-FFF2-40B4-BE49-F238E27FC236}">
-                <a16:creationId xmlns:a16="http://schemas.microsoft.com/office/drawing/2014/main" id="{DAA9B707-B145-3D24-3CE5-61E489B5BB8D}"/>
+                <a16:creationId xmlns:a16="http://schemas.microsoft.com/office/drawing/2014/main" id="{A536FE87-0A6D-CF73-89A2-40242A48929B}"/>
               </a:ext>
             </a:extLst>
           </p:cNvPr>
@@ -2411,7 +2411,7 @@
           <p:cNvPr id="7" name="灯片编号占位符 6">
             <a:extLst>
               <a:ext uri="{FF2B5EF4-FFF2-40B4-BE49-F238E27FC236}">
-                <a16:creationId xmlns:a16="http://schemas.microsoft.com/office/drawing/2014/main" id="{B86E4D61-6989-F185-0B3B-CB0F40C5449C}"/>
+                <a16:creationId xmlns:a16="http://schemas.microsoft.com/office/drawing/2014/main" id="{2D9C0D63-D432-36F1-B7BD-D7724977E476}"/>
               </a:ext>
             </a:extLst>
           </p:cNvPr>
@@ -2427,7 +2427,7 @@
           <a:bodyPr/>
           <a:lstStyle/>
           <a:p>
-            <a:fld id="{00F3BFA5-64DF-4262-BC54-029A2F6F40FF}" type="slidenum">
+            <a:fld id="{031A4D87-DC7D-470C-B20D-DA93576226C5}" type="slidenum">
               <a:rPr lang="zh-CN" altLang="en-US" smtClean="0"/>
               <a:t>‹#›</a:t>
             </a:fld>
@@ -2438,7 +2438,7 @@
     </p:spTree>
     <p:extLst>
       <p:ext uri="{BB962C8B-B14F-4D97-AF65-F5344CB8AC3E}">
-        <p14:creationId xmlns:p14="http://schemas.microsoft.com/office/powerpoint/2010/main" val="1551467486"/>
+        <p14:creationId xmlns:p14="http://schemas.microsoft.com/office/powerpoint/2010/main" val="1563360113"/>
       </p:ext>
     </p:extLst>
   </p:cSld>
@@ -2470,7 +2470,7 @@
           <p:cNvPr id="2" name="标题 1">
             <a:extLst>
               <a:ext uri="{FF2B5EF4-FFF2-40B4-BE49-F238E27FC236}">
-                <a16:creationId xmlns:a16="http://schemas.microsoft.com/office/drawing/2014/main" id="{1D92DF2D-FFBF-B409-6127-8D4A02ABD70F}"/>
+                <a16:creationId xmlns:a16="http://schemas.microsoft.com/office/drawing/2014/main" id="{53DBC7E5-CEC3-BD46-6DD4-DC92F9053601}"/>
               </a:ext>
             </a:extLst>
           </p:cNvPr>
@@ -2507,7 +2507,7 @@
           <p:cNvPr id="3" name="图片占位符 2">
             <a:extLst>
               <a:ext uri="{FF2B5EF4-FFF2-40B4-BE49-F238E27FC236}">
-                <a16:creationId xmlns:a16="http://schemas.microsoft.com/office/drawing/2014/main" id="{769599BF-BB57-472E-2299-EAC3E68F7F6C}"/>
+                <a16:creationId xmlns:a16="http://schemas.microsoft.com/office/drawing/2014/main" id="{A88C1463-B190-D642-4BB8-15EAC5836B02}"/>
               </a:ext>
             </a:extLst>
           </p:cNvPr>
@@ -2574,7 +2574,7 @@
           <p:cNvPr id="4" name="文本占位符 3">
             <a:extLst>
               <a:ext uri="{FF2B5EF4-FFF2-40B4-BE49-F238E27FC236}">
-                <a16:creationId xmlns:a16="http://schemas.microsoft.com/office/drawing/2014/main" id="{64073A15-55AC-B284-BEF0-A038F6628CA8}"/>
+                <a16:creationId xmlns:a16="http://schemas.microsoft.com/office/drawing/2014/main" id="{7AE27E86-A4E2-465F-147A-864EABDFEE21}"/>
               </a:ext>
             </a:extLst>
           </p:cNvPr>
@@ -2645,7 +2645,7 @@
           <p:cNvPr id="5" name="日期占位符 4">
             <a:extLst>
               <a:ext uri="{FF2B5EF4-FFF2-40B4-BE49-F238E27FC236}">
-                <a16:creationId xmlns:a16="http://schemas.microsoft.com/office/drawing/2014/main" id="{AD91F40F-359D-C685-DAF7-80E66E566BDC}"/>
+                <a16:creationId xmlns:a16="http://schemas.microsoft.com/office/drawing/2014/main" id="{586EB7F3-7387-5185-2A8C-CCD786C5797D}"/>
               </a:ext>
             </a:extLst>
           </p:cNvPr>
@@ -2661,7 +2661,7 @@
           <a:bodyPr/>
           <a:lstStyle/>
           <a:p>
-            <a:fld id="{216B6C84-A5BD-4714-AD82-2BFB9C8C0AC1}" type="datetimeFigureOut">
+            <a:fld id="{FFC255EB-76CF-492E-8CB4-174BDC4FF19E}" type="datetimeFigureOut">
               <a:rPr lang="zh-CN" altLang="en-US" smtClean="0"/>
               <a:t>2024/3/10</a:t>
             </a:fld>
@@ -2674,7 +2674,7 @@
           <p:cNvPr id="6" name="页脚占位符 5">
             <a:extLst>
               <a:ext uri="{FF2B5EF4-FFF2-40B4-BE49-F238E27FC236}">
-                <a16:creationId xmlns:a16="http://schemas.microsoft.com/office/drawing/2014/main" id="{396667B6-4726-26AA-AA73-F53A0C211A32}"/>
+                <a16:creationId xmlns:a16="http://schemas.microsoft.com/office/drawing/2014/main" id="{01C6FDB6-8A77-BA5F-A778-3A0F95FAE09D}"/>
               </a:ext>
             </a:extLst>
           </p:cNvPr>
@@ -2699,7 +2699,7 @@
           <p:cNvPr id="7" name="灯片编号占位符 6">
             <a:extLst>
               <a:ext uri="{FF2B5EF4-FFF2-40B4-BE49-F238E27FC236}">
-                <a16:creationId xmlns:a16="http://schemas.microsoft.com/office/drawing/2014/main" id="{0A7D65CF-B39F-4467-B65B-C76B2B31C916}"/>
+                <a16:creationId xmlns:a16="http://schemas.microsoft.com/office/drawing/2014/main" id="{0DDDBBE2-6227-33BA-5935-770B603DD9E1}"/>
               </a:ext>
             </a:extLst>
           </p:cNvPr>
@@ -2715,7 +2715,7 @@
           <a:bodyPr/>
           <a:lstStyle/>
           <a:p>
-            <a:fld id="{00F3BFA5-64DF-4262-BC54-029A2F6F40FF}" type="slidenum">
+            <a:fld id="{031A4D87-DC7D-470C-B20D-DA93576226C5}" type="slidenum">
               <a:rPr lang="zh-CN" altLang="en-US" smtClean="0"/>
               <a:t>‹#›</a:t>
             </a:fld>
@@ -2726,7 +2726,7 @@
     </p:spTree>
     <p:extLst>
       <p:ext uri="{BB962C8B-B14F-4D97-AF65-F5344CB8AC3E}">
-        <p14:creationId xmlns:p14="http://schemas.microsoft.com/office/powerpoint/2010/main" val="2678203192"/>
+        <p14:creationId xmlns:p14="http://schemas.microsoft.com/office/powerpoint/2010/main" val="655979788"/>
       </p:ext>
     </p:extLst>
   </p:cSld>
@@ -2763,7 +2763,7 @@
           <p:cNvPr id="2" name="标题占位符 1">
             <a:extLst>
               <a:ext uri="{FF2B5EF4-FFF2-40B4-BE49-F238E27FC236}">
-                <a16:creationId xmlns:a16="http://schemas.microsoft.com/office/drawing/2014/main" id="{B9182CDD-E5A5-3670-16B4-05F07DEF4F6A}"/>
+                <a16:creationId xmlns:a16="http://schemas.microsoft.com/office/drawing/2014/main" id="{D305C43E-D1CA-EA4E-CDA2-4A692C8BB4C3}"/>
               </a:ext>
             </a:extLst>
           </p:cNvPr>
@@ -2801,7 +2801,7 @@
           <p:cNvPr id="3" name="文本占位符 2">
             <a:extLst>
               <a:ext uri="{FF2B5EF4-FFF2-40B4-BE49-F238E27FC236}">
-                <a16:creationId xmlns:a16="http://schemas.microsoft.com/office/drawing/2014/main" id="{D3F619D1-A466-C253-33DC-08DE70EC1464}"/>
+                <a16:creationId xmlns:a16="http://schemas.microsoft.com/office/drawing/2014/main" id="{5E4E0DD4-1CDE-E129-9996-FD161160CFFE}"/>
               </a:ext>
             </a:extLst>
           </p:cNvPr>
@@ -2868,7 +2868,7 @@
           <p:cNvPr id="4" name="日期占位符 3">
             <a:extLst>
               <a:ext uri="{FF2B5EF4-FFF2-40B4-BE49-F238E27FC236}">
-                <a16:creationId xmlns:a16="http://schemas.microsoft.com/office/drawing/2014/main" id="{72896945-940C-60BA-0809-9436E2C1C46D}"/>
+                <a16:creationId xmlns:a16="http://schemas.microsoft.com/office/drawing/2014/main" id="{5C3D05C1-1D47-5318-4788-BEB3591215B7}"/>
               </a:ext>
             </a:extLst>
           </p:cNvPr>
@@ -2902,7 +2902,7 @@
             </a:lvl1pPr>
           </a:lstStyle>
           <a:p>
-            <a:fld id="{216B6C84-A5BD-4714-AD82-2BFB9C8C0AC1}" type="datetimeFigureOut">
+            <a:fld id="{FFC255EB-76CF-492E-8CB4-174BDC4FF19E}" type="datetimeFigureOut">
               <a:rPr lang="zh-CN" altLang="en-US" smtClean="0"/>
               <a:t>2024/3/10</a:t>
             </a:fld>
@@ -2915,7 +2915,7 @@
           <p:cNvPr id="5" name="页脚占位符 4">
             <a:extLst>
               <a:ext uri="{FF2B5EF4-FFF2-40B4-BE49-F238E27FC236}">
-                <a16:creationId xmlns:a16="http://schemas.microsoft.com/office/drawing/2014/main" id="{2CEE5750-A03C-8BF3-3F7B-5D41B55F2915}"/>
+                <a16:creationId xmlns:a16="http://schemas.microsoft.com/office/drawing/2014/main" id="{FE2B6B55-B906-0A2D-07DD-166CDA339845}"/>
               </a:ext>
             </a:extLst>
           </p:cNvPr>
@@ -2958,7 +2958,7 @@
           <p:cNvPr id="6" name="灯片编号占位符 5">
             <a:extLst>
               <a:ext uri="{FF2B5EF4-FFF2-40B4-BE49-F238E27FC236}">
-                <a16:creationId xmlns:a16="http://schemas.microsoft.com/office/drawing/2014/main" id="{3C1380F2-E11D-5F29-F216-23FB32EAC23C}"/>
+                <a16:creationId xmlns:a16="http://schemas.microsoft.com/office/drawing/2014/main" id="{8EBA98F1-89BB-00D8-6451-062E6401A551}"/>
               </a:ext>
             </a:extLst>
           </p:cNvPr>
@@ -2992,7 +2992,7 @@
             </a:lvl1pPr>
           </a:lstStyle>
           <a:p>
-            <a:fld id="{00F3BFA5-64DF-4262-BC54-029A2F6F40FF}" type="slidenum">
+            <a:fld id="{031A4D87-DC7D-470C-B20D-DA93576226C5}" type="slidenum">
               <a:rPr lang="zh-CN" altLang="en-US" smtClean="0"/>
               <a:t>‹#›</a:t>
             </a:fld>
@@ -3003,7 +3003,7 @@
     </p:spTree>
     <p:extLst>
       <p:ext uri="{BB962C8B-B14F-4D97-AF65-F5344CB8AC3E}">
-        <p14:creationId xmlns:p14="http://schemas.microsoft.com/office/powerpoint/2010/main" val="217246881"/>
+        <p14:creationId xmlns:p14="http://schemas.microsoft.com/office/powerpoint/2010/main" val="1394658875"/>
       </p:ext>
     </p:extLst>
   </p:cSld>
@@ -3323,7 +3323,7 @@
       </p:grpSpPr>
       <p:pic>
         <p:nvPicPr>
-          <p:cNvPr id="959490" name="Picture 2" descr="936"/>
+          <p:cNvPr id="960514" name="Picture 2" descr="937"/>
           <p:cNvPicPr>
             <a:picLocks noChangeAspect="1" noChangeArrowheads="1"/>
           </p:cNvPicPr>
@@ -3344,8 +3344,8 @@
         </p:blipFill>
         <p:spPr bwMode="auto">
           <a:xfrm>
-            <a:off x="1524000" y="1"/>
-            <a:ext cx="9144000" cy="5084763"/>
+            <a:off x="1524000" y="0"/>
+            <a:ext cx="9144000" cy="6858000"/>
           </a:xfrm>
           <a:prstGeom prst="rect">
             <a:avLst/>
@@ -3375,11 +3375,158 @@
           </a:extLst>
         </p:spPr>
       </p:pic>
+      <p:pic>
+        <p:nvPicPr>
+          <p:cNvPr id="961539" name="Picture 3" descr="937-2"/>
+          <p:cNvPicPr>
+            <a:picLocks noChangeAspect="1" noChangeArrowheads="1"/>
+          </p:cNvPicPr>
+          <p:nvPr/>
+        </p:nvPicPr>
+        <p:blipFill>
+          <a:blip r:embed="rId3">
+            <a:extLst>
+              <a:ext uri="{28A0092B-C50C-407E-A947-70E740481C1C}">
+                <a14:useLocalDpi xmlns:a14="http://schemas.microsoft.com/office/drawing/2010/main" val="0"/>
+              </a:ext>
+            </a:extLst>
+          </a:blip>
+          <a:srcRect/>
+          <a:stretch>
+            <a:fillRect/>
+          </a:stretch>
+        </p:blipFill>
+        <p:spPr bwMode="auto">
+          <a:xfrm>
+            <a:off x="1524000" y="-12700"/>
+            <a:ext cx="9144000" cy="6843713"/>
+          </a:xfrm>
+          <a:prstGeom prst="rect">
+            <a:avLst/>
+          </a:prstGeom>
+          <a:noFill/>
+          <a:ln>
+            <a:noFill/>
+          </a:ln>
+          <a:effectLst/>
+          <a:extLst>
+            <a:ext uri="{909E8E84-426E-40DD-AFC4-6F175D3DCCD1}">
+              <a14:hiddenFill xmlns:a14="http://schemas.microsoft.com/office/drawing/2010/main">
+                <a:solidFill>
+                  <a:srgbClr val="FFFFFF"/>
+                </a:solidFill>
+              </a14:hiddenFill>
+            </a:ext>
+            <a:ext uri="{91240B29-F687-4F45-9708-019B960494DF}">
+              <a14:hiddenLine xmlns:a14="http://schemas.microsoft.com/office/drawing/2010/main" w="9525">
+                <a:solidFill>
+                  <a:srgbClr val="000000"/>
+                </a:solidFill>
+                <a:miter lim="800000"/>
+                <a:headEnd/>
+                <a:tailEnd/>
+              </a14:hiddenLine>
+            </a:ext>
+            <a:ext uri="{AF507438-7753-43E0-B8FC-AC1667EBCBE1}">
+              <a14:hiddenEffects xmlns:a14="http://schemas.microsoft.com/office/drawing/2010/main">
+                <a:effectLst>
+                  <a:outerShdw dist="35921" dir="2700000" algn="ctr" rotWithShape="0">
+                    <a:srgbClr val="808080"/>
+                  </a:outerShdw>
+                </a:effectLst>
+              </a14:hiddenEffects>
+            </a:ext>
+          </a:extLst>
+        </p:spPr>
+      </p:pic>
     </p:spTree>
   </p:cSld>
   <p:clrMapOvr>
     <a:masterClrMapping/>
   </p:clrMapOvr>
+  <p:timing>
+    <p:tnLst>
+      <p:par>
+        <p:cTn id="1" dur="indefinite" restart="never" nodeType="tmRoot">
+          <p:childTnLst>
+            <p:seq concurrent="1" nextAc="seek">
+              <p:cTn id="2" dur="indefinite" nodeType="mainSeq">
+                <p:childTnLst>
+                  <p:par>
+                    <p:cTn id="3" fill="hold" nodeType="clickPar">
+                      <p:stCondLst>
+                        <p:cond delay="indefinite"/>
+                      </p:stCondLst>
+                      <p:childTnLst>
+                        <p:par>
+                          <p:cTn id="4" fill="hold" nodeType="withGroup">
+                            <p:stCondLst>
+                              <p:cond delay="0"/>
+                            </p:stCondLst>
+                            <p:childTnLst>
+                              <p:par>
+                                <p:cTn id="5" presetID="10" presetClass="entr" presetSubtype="0" fill="hold" nodeType="clickEffect">
+                                  <p:stCondLst>
+                                    <p:cond delay="0"/>
+                                  </p:stCondLst>
+                                  <p:childTnLst>
+                                    <p:set>
+                                      <p:cBhvr>
+                                        <p:cTn id="6" dur="1" fill="hold">
+                                          <p:stCondLst>
+                                            <p:cond delay="0"/>
+                                          </p:stCondLst>
+                                        </p:cTn>
+                                        <p:tgtEl>
+                                          <p:spTgt spid="961539"/>
+                                        </p:tgtEl>
+                                        <p:attrNameLst>
+                                          <p:attrName>style.visibility</p:attrName>
+                                        </p:attrNameLst>
+                                      </p:cBhvr>
+                                      <p:to>
+                                        <p:strVal val="visible"/>
+                                      </p:to>
+                                    </p:set>
+                                    <p:animEffect transition="in" filter="fade">
+                                      <p:cBhvr>
+                                        <p:cTn id="7" dur="500"/>
+                                        <p:tgtEl>
+                                          <p:spTgt spid="961539"/>
+                                        </p:tgtEl>
+                                      </p:cBhvr>
+                                    </p:animEffect>
+                                  </p:childTnLst>
+                                </p:cTn>
+                              </p:par>
+                            </p:childTnLst>
+                          </p:cTn>
+                        </p:par>
+                      </p:childTnLst>
+                    </p:cTn>
+                  </p:par>
+                </p:childTnLst>
+              </p:cTn>
+              <p:prevCondLst>
+                <p:cond evt="onPrev" delay="0">
+                  <p:tgtEl>
+                    <p:sldTgt/>
+                  </p:tgtEl>
+                </p:cond>
+              </p:prevCondLst>
+              <p:nextCondLst>
+                <p:cond evt="onNext" delay="0">
+                  <p:tgtEl>
+                    <p:sldTgt/>
+                  </p:tgtEl>
+                </p:cond>
+              </p:nextCondLst>
+            </p:seq>
+          </p:childTnLst>
+        </p:cTn>
+      </p:par>
+    </p:tnLst>
+  </p:timing>
 </p:sld>
 </file>
 
